--- a/Docs/Controllers over Internet.pptx
+++ b/Docs/Controllers over Internet.pptx
@@ -222,7 +222,7 @@
           <a:p>
             <a:fld id="{59041DB8-B66F-4DC8-A96E-33677E0F90FF}" type="datetimeFigureOut">
               <a:rPr lang="en-US" smtClean="0"/>
-              <a:t>8/24/2020</a:t>
+              <a:t>8/25/2020</a:t>
             </a:fld>
             <a:endParaRPr lang="en-US"/>
           </a:p>
@@ -387,7 +387,7 @@
           <a:p>
             <a:fld id="{DEB49C4A-65AC-492D-9701-81B46C3AD0E4}" type="datetimeFigureOut">
               <a:rPr lang="en-US" smtClean="0"/>
-              <a:t>8/24/2020</a:t>
+              <a:t>8/25/2020</a:t>
             </a:fld>
             <a:endParaRPr lang="en-US"/>
           </a:p>
@@ -2879,7 +2879,7 @@
           <a:p>
             <a:fld id="{384A29A4-78C8-47AB-BA06-22CB45938951}" type="datetime1">
               <a:rPr lang="en-US" smtClean="0"/>
-              <a:t>8/24/2020</a:t>
+              <a:t>8/25/2020</a:t>
             </a:fld>
             <a:endParaRPr lang="en-US"/>
           </a:p>
@@ -3074,7 +3074,7 @@
           <a:p>
             <a:fld id="{E1ED4ACF-2D82-46F2-A8E9-23963AA34E86}" type="datetime1">
               <a:rPr lang="en-US" smtClean="0"/>
-              <a:t>8/24/2020</a:t>
+              <a:t>8/25/2020</a:t>
             </a:fld>
             <a:endParaRPr lang="en-US"/>
           </a:p>
@@ -3258,7 +3258,7 @@
           <a:p>
             <a:fld id="{AE374B5B-21A0-4192-BF4C-38187F1A68D8}" type="datetime1">
               <a:rPr lang="en-US" smtClean="0"/>
-              <a:t>8/24/2020</a:t>
+              <a:t>8/25/2020</a:t>
             </a:fld>
             <a:endParaRPr lang="en-US"/>
           </a:p>
@@ -5599,7 +5599,7 @@
           <a:p>
             <a:fld id="{33B5CF7C-B333-48E1-A4A6-83A3C8B73AC0}" type="datetime1">
               <a:rPr lang="en-US" smtClean="0"/>
-              <a:t>8/24/2020</a:t>
+              <a:t>8/25/2020</a:t>
             </a:fld>
             <a:endParaRPr lang="en-US"/>
           </a:p>
@@ -6052,7 +6052,7 @@
           <a:p>
             <a:fld id="{AE320762-5CBF-4210-AB54-376B091119F8}" type="datetime1">
               <a:rPr lang="en-US" smtClean="0"/>
-              <a:t>8/24/2020</a:t>
+              <a:t>8/25/2020</a:t>
             </a:fld>
             <a:endParaRPr lang="en-US"/>
           </a:p>
@@ -6184,7 +6184,7 @@
           <a:p>
             <a:fld id="{7F0DB371-BF5F-4058-A212-1A908E4D2674}" type="datetime1">
               <a:rPr lang="en-US" smtClean="0"/>
-              <a:t>8/24/2020</a:t>
+              <a:t>8/25/2020</a:t>
             </a:fld>
             <a:endParaRPr lang="en-US"/>
           </a:p>
@@ -8117,7 +8117,7 @@
           <a:p>
             <a:fld id="{60A4083B-90AA-48CF-BAD5-00AA24D7F288}" type="datetime1">
               <a:rPr lang="en-US" smtClean="0"/>
-              <a:t>8/24/2020</a:t>
+              <a:t>8/25/2020</a:t>
             </a:fld>
             <a:endParaRPr lang="en-US"/>
           </a:p>
@@ -10376,7 +10376,7 @@
             <a:fld id="{F5BAF629-ECA2-4CF3-B790-9D9BDED98269}" type="datetime1">
               <a:rPr lang="en-US" smtClean="0"/>
               <a:pPr/>
-              <a:t>8/24/2020</a:t>
+              <a:t>8/25/2020</a:t>
             </a:fld>
             <a:endParaRPr lang="en-US"/>
           </a:p>
@@ -14671,7 +14671,7 @@
             <a:fld id="{B51B2453-8663-4C69-AF73-9FD7B1DEC5D0}" type="datetime1">
               <a:rPr lang="en-US" smtClean="0"/>
               <a:pPr/>
-              <a:t>8/24/2020</a:t>
+              <a:t>8/25/2020</a:t>
             </a:fld>
             <a:endParaRPr lang="en-US" dirty="0"/>
           </a:p>
@@ -15253,19 +15253,19 @@
           <a:p>
             <a:r>
               <a:rPr lang="en-US" dirty="0"/>
-              <a:t>Add your first bullet point here</a:t>
+              <a:t>Don’t install unnecessary application</a:t>
             </a:r>
           </a:p>
           <a:p>
             <a:r>
               <a:rPr lang="en-US" dirty="0"/>
-              <a:t>Add your second bullet point here</a:t>
+              <a:t>Let you browser be a gamepad</a:t>
             </a:r>
           </a:p>
           <a:p>
             <a:r>
               <a:rPr lang="en-US" dirty="0"/>
-              <a:t>Add your third bullet point here</a:t>
+              <a:t>Find universal way how to make this feature extensible</a:t>
             </a:r>
           </a:p>
           <a:p>
@@ -15273,6 +15273,36 @@
           </a:p>
         </p:txBody>
       </p:sp>
+      <p:pic>
+        <p:nvPicPr>
+          <p:cNvPr id="4" name="Picture 3">
+            <a:extLst>
+              <a:ext uri="{FF2B5EF4-FFF2-40B4-BE49-F238E27FC236}">
+                <a16:creationId xmlns:a16="http://schemas.microsoft.com/office/drawing/2014/main" id="{56B5CD28-3A25-4610-84CC-879B19FAB7A6}"/>
+              </a:ext>
+            </a:extLst>
+          </p:cNvPr>
+          <p:cNvPicPr>
+            <a:picLocks noChangeAspect="1"/>
+          </p:cNvPicPr>
+          <p:nvPr/>
+        </p:nvPicPr>
+        <p:blipFill>
+          <a:blip r:embed="rId3"/>
+          <a:stretch>
+            <a:fillRect/>
+          </a:stretch>
+        </p:blipFill>
+        <p:spPr>
+          <a:xfrm>
+            <a:off x="8018302" y="1254842"/>
+            <a:ext cx="3734674" cy="3734674"/>
+          </a:xfrm>
+          <a:prstGeom prst="rect">
+            <a:avLst/>
+          </a:prstGeom>
+        </p:spPr>
+      </p:pic>
     </p:spTree>
     <p:extLst>
       <p:ext uri="{BB962C8B-B14F-4D97-AF65-F5344CB8AC3E}">
@@ -15364,10 +15394,53 @@
           <a:bodyPr/>
           <a:lstStyle/>
           <a:p>
-            <a:endParaRPr lang="en-GB"/>
+            <a:r>
+              <a:rPr lang="en-GB" dirty="0" err="1"/>
+              <a:t>Blazor</a:t>
+            </a:r>
+            <a:r>
+              <a:rPr lang="en-GB" dirty="0"/>
+              <a:t> web assembly</a:t>
+            </a:r>
+          </a:p>
+          <a:p>
+            <a:r>
+              <a:rPr lang="en-GB" dirty="0"/>
+              <a:t>ASP.NET Core</a:t>
+            </a:r>
           </a:p>
         </p:txBody>
       </p:sp>
+      <p:pic>
+        <p:nvPicPr>
+          <p:cNvPr id="5" name="Picture 4">
+            <a:extLst>
+              <a:ext uri="{FF2B5EF4-FFF2-40B4-BE49-F238E27FC236}">
+                <a16:creationId xmlns:a16="http://schemas.microsoft.com/office/drawing/2014/main" id="{F5B43BAF-3789-4485-A3EE-493430A4AC8A}"/>
+              </a:ext>
+            </a:extLst>
+          </p:cNvPr>
+          <p:cNvPicPr>
+            <a:picLocks noChangeAspect="1"/>
+          </p:cNvPicPr>
+          <p:nvPr/>
+        </p:nvPicPr>
+        <p:blipFill>
+          <a:blip r:embed="rId2"/>
+          <a:stretch>
+            <a:fillRect/>
+          </a:stretch>
+        </p:blipFill>
+        <p:spPr>
+          <a:xfrm>
+            <a:off x="5696125" y="1646238"/>
+            <a:ext cx="4953570" cy="4472065"/>
+          </a:xfrm>
+          <a:prstGeom prst="rect">
+            <a:avLst/>
+          </a:prstGeom>
+        </p:spPr>
+      </p:pic>
     </p:spTree>
     <p:extLst>
       <p:ext uri="{BB962C8B-B14F-4D97-AF65-F5344CB8AC3E}">
@@ -15462,7 +15535,7 @@
         </p:blipFill>
         <p:spPr>
           <a:xfrm>
-            <a:off x="3976833" y="2026253"/>
+            <a:off x="2290646" y="2235978"/>
             <a:ext cx="6919767" cy="2805493"/>
           </a:xfrm>
         </p:spPr>
@@ -15561,7 +15634,7 @@
         </p:blipFill>
         <p:spPr>
           <a:xfrm>
-            <a:off x="4303552" y="1862055"/>
+            <a:off x="2541863" y="2105336"/>
             <a:ext cx="7274595" cy="3133889"/>
           </a:xfrm>
         </p:spPr>
@@ -15660,7 +15733,7 @@
         </p:blipFill>
         <p:spPr>
           <a:xfrm>
-            <a:off x="5134062" y="2166354"/>
+            <a:off x="2306972" y="2174743"/>
             <a:ext cx="6276506" cy="2970969"/>
           </a:xfrm>
         </p:spPr>
@@ -15759,7 +15832,7 @@
         </p:blipFill>
         <p:spPr>
           <a:xfrm>
-            <a:off x="4605556" y="2254528"/>
+            <a:off x="2206304" y="2254528"/>
             <a:ext cx="6902732" cy="2995800"/>
           </a:xfrm>
         </p:spPr>
@@ -15859,7 +15932,7 @@
         </p:blipFill>
         <p:spPr>
           <a:xfrm>
-            <a:off x="6096000" y="1646238"/>
+            <a:off x="3218577" y="1646238"/>
             <a:ext cx="5308520" cy="4144621"/>
           </a:xfrm>
         </p:spPr>
@@ -15934,31 +16007,35 @@
           </a:p>
         </p:txBody>
       </p:sp>
-      <p:sp>
-        <p:nvSpPr>
-          <p:cNvPr id="3" name="Content Placeholder 2">
+      <p:pic>
+        <p:nvPicPr>
+          <p:cNvPr id="5" name="Content Placeholder 4">
             <a:extLst>
               <a:ext uri="{FF2B5EF4-FFF2-40B4-BE49-F238E27FC236}">
-                <a16:creationId xmlns:a16="http://schemas.microsoft.com/office/drawing/2014/main" id="{EBA5FAD8-2800-490E-8FC8-FF19829EA14B}"/>
+                <a16:creationId xmlns:a16="http://schemas.microsoft.com/office/drawing/2014/main" id="{7641950A-E967-4061-B69E-CCAF624A6652}"/>
               </a:ext>
             </a:extLst>
           </p:cNvPr>
-          <p:cNvSpPr>
-            <a:spLocks noGrp="1"/>
-          </p:cNvSpPr>
+          <p:cNvPicPr>
+            <a:picLocks noGrp="1" noChangeAspect="1"/>
+          </p:cNvPicPr>
           <p:nvPr>
             <p:ph idx="1"/>
           </p:nvPr>
-        </p:nvSpPr>
-        <p:spPr/>
-        <p:txBody>
-          <a:bodyPr/>
-          <a:lstStyle/>
-          <a:p>
-            <a:endParaRPr lang="en-GB"/>
-          </a:p>
-        </p:txBody>
-      </p:sp>
+        </p:nvPicPr>
+        <p:blipFill>
+          <a:blip r:embed="rId2"/>
+          <a:stretch>
+            <a:fillRect/>
+          </a:stretch>
+        </p:blipFill>
+        <p:spPr>
+          <a:xfrm>
+            <a:off x="3405930" y="195983"/>
+            <a:ext cx="8590327" cy="5823661"/>
+          </a:xfrm>
+        </p:spPr>
+      </p:pic>
     </p:spTree>
     <p:extLst>
       <p:ext uri="{BB962C8B-B14F-4D97-AF65-F5344CB8AC3E}">
